--- a/jetcity/img/price.pptx
+++ b/jetcity/img/price.pptx
@@ -104,6 +104,11 @@
       </a:defRPr>
     </a:lvl9pPr>
   </p:defaultTextStyle>
+  <p:extLst>
+    <p:ext uri="{EFAFB233-063F-42B5-8137-9DF3F51BA10A}">
+      <p15:sldGuideLst xmlns:p15="http://schemas.microsoft.com/office/powerpoint/2012/main"/>
+    </p:ext>
+  </p:extLst>
 </p:presentation>
 </file>
 
@@ -5428,15 +5433,7 @@
             </a:r>
             <a:r>
               <a:rPr lang="en-US" altLang="ko-KR" sz="3733" dirty="0"/>
-              <a:t>(3</a:t>
-            </a:r>
-            <a:r>
-              <a:rPr lang="ko-KR" altLang="en-US" sz="3733" dirty="0"/>
-              <a:t>월</a:t>
-            </a:r>
-            <a:r>
-              <a:rPr lang="en-US" altLang="ko-KR" sz="3733" dirty="0"/>
-              <a:t>~11</a:t>
+              <a:t>(~11</a:t>
             </a:r>
             <a:r>
               <a:rPr lang="ko-KR" altLang="en-US" sz="3733" dirty="0"/>

--- a/jetcity/img/price.pptx
+++ b/jetcity/img/price.pptx
@@ -3023,7 +3023,7 @@
           <p:nvPr>
             <p:extLst>
               <p:ext uri="{D42A27DB-BD31-4B8C-83A1-F6EECF244321}">
-                <p14:modId xmlns:p14="http://schemas.microsoft.com/office/powerpoint/2010/main" val="664205940"/>
+                <p14:modId xmlns:p14="http://schemas.microsoft.com/office/powerpoint/2010/main" val="1697952386"/>
               </p:ext>
             </p:extLst>
           </p:nvPr>
@@ -3093,6 +3093,37 @@
                       </a:pPr>
                       <a:r>
                         <a:rPr lang="ko-KR" altLang="en-US" sz="2400" dirty="0" err="1"/>
+                        <a:t>체험강습</a:t>
+                      </a:r>
+                      <a:endParaRPr lang="en-US" altLang="ko-KR" sz="2400" dirty="0"/>
+                    </a:p>
+                  </a:txBody>
+                  <a:tcPr marL="121920" marR="121920" marT="60960" marB="60960"/>
+                </a:tc>
+                <a:tc>
+                  <a:txBody>
+                    <a:bodyPr/>
+                    <a:lstStyle/>
+                    <a:p>
+                      <a:pPr marL="0" marR="0" lvl="0" indent="0" algn="ctr" defTabSz="914400" rtl="0" eaLnBrk="1" fontAlgn="auto" latinLnBrk="0" hangingPunct="1">
+                        <a:lnSpc>
+                          <a:spcPct val="100000"/>
+                        </a:lnSpc>
+                        <a:spcBef>
+                          <a:spcPts val="0"/>
+                        </a:spcBef>
+                        <a:spcAft>
+                          <a:spcPts val="0"/>
+                        </a:spcAft>
+                        <a:buClrTx/>
+                        <a:buSzTx/>
+                        <a:buFontTx/>
+                        <a:buNone/>
+                        <a:tabLst/>
+                        <a:defRPr/>
+                      </a:pPr>
+                      <a:r>
+                        <a:rPr lang="ko-KR" altLang="en-US" sz="2400" dirty="0" err="1"/>
                         <a:t>정규강습</a:t>
                       </a:r>
                       <a:r>
@@ -3107,21 +3138,6 @@
                         <a:rPr lang="en-US" altLang="ko-KR" sz="2400" dirty="0"/>
                         <a:t>)</a:t>
                       </a:r>
-                    </a:p>
-                  </a:txBody>
-                  <a:tcPr marL="121920" marR="121920" marT="60960" marB="60960"/>
-                </a:tc>
-                <a:tc>
-                  <a:txBody>
-                    <a:bodyPr/>
-                    <a:lstStyle/>
-                    <a:p>
-                      <a:pPr algn="ctr"/>
-                      <a:r>
-                        <a:rPr lang="ko-KR" altLang="en-US" sz="2400" dirty="0" err="1"/>
-                        <a:t>체험강습</a:t>
-                      </a:r>
-                      <a:endParaRPr lang="en-US" altLang="ko-KR" sz="2400" dirty="0"/>
                     </a:p>
                   </a:txBody>
                   <a:tcPr marL="121920" marR="121920" marT="60960" marB="60960"/>
@@ -3199,7 +3215,7 @@
                       <a:pPr algn="ctr"/>
                       <a:r>
                         <a:rPr lang="en-US" altLang="ko-KR" sz="2100" dirty="0"/>
-                        <a:t>10</a:t>
+                        <a:t>5</a:t>
                       </a:r>
                       <a:r>
                         <a:rPr lang="ko-KR" altLang="en-US" sz="2100" dirty="0"/>
@@ -3218,7 +3234,7 @@
                       <a:pPr algn="ctr"/>
                       <a:r>
                         <a:rPr lang="en-US" altLang="ko-KR" sz="2100" dirty="0"/>
-                        <a:t>5</a:t>
+                        <a:t>10</a:t>
                       </a:r>
                       <a:r>
                         <a:rPr lang="ko-KR" altLang="en-US" sz="2100" dirty="0"/>
@@ -3282,7 +3298,7 @@
                       <a:pPr algn="ctr"/>
                       <a:r>
                         <a:rPr lang="en-US" altLang="ko-KR" sz="2100" dirty="0"/>
-                        <a:t>2</a:t>
+                        <a:t>1</a:t>
                       </a:r>
                       <a:r>
                         <a:rPr lang="ko-KR" altLang="en-US" sz="2100" dirty="0"/>
@@ -3298,46 +3314,46 @@
                       </a:r>
                       <a:r>
                         <a:rPr lang="en-US" altLang="ko-KR" sz="2100" dirty="0"/>
+                        <a:t>10</a:t>
+                      </a:r>
+                      <a:r>
+                        <a:rPr lang="ko-KR" altLang="en-US" sz="2100" dirty="0"/>
+                        <a:t>인 내외</a:t>
+                      </a:r>
+                      <a:endParaRPr lang="en-US" sz="2100" dirty="0"/>
+                    </a:p>
+                  </a:txBody>
+                  <a:tcPr marL="121920" marR="121920" marT="60960" marB="60960"/>
+                </a:tc>
+                <a:tc>
+                  <a:txBody>
+                    <a:bodyPr/>
+                    <a:lstStyle/>
+                    <a:p>
+                      <a:pPr algn="ctr"/>
+                      <a:r>
+                        <a:rPr lang="en-US" altLang="ko-KR" sz="2100" dirty="0"/>
+                        <a:t>2</a:t>
+                      </a:r>
+                      <a:r>
+                        <a:rPr lang="ko-KR" altLang="en-US" sz="2100" dirty="0"/>
+                        <a:t>시간</a:t>
+                      </a:r>
+                      <a:r>
+                        <a:rPr lang="en-US" altLang="ko-KR" sz="2100" dirty="0"/>
+                        <a:t>,</a:t>
+                      </a:r>
+                      <a:r>
+                        <a:rPr lang="ko-KR" altLang="en-US" sz="2100" dirty="0"/>
+                        <a:t> </a:t>
+                      </a:r>
+                      <a:r>
+                        <a:rPr lang="en-US" altLang="ko-KR" sz="2100" dirty="0"/>
                         <a:t>6</a:t>
                       </a:r>
                       <a:r>
                         <a:rPr lang="ko-KR" altLang="en-US" sz="2100" dirty="0"/>
                         <a:t>인 이하</a:t>
-                      </a:r>
-                      <a:endParaRPr lang="en-US" sz="2100" dirty="0"/>
-                    </a:p>
-                  </a:txBody>
-                  <a:tcPr marL="121920" marR="121920" marT="60960" marB="60960"/>
-                </a:tc>
-                <a:tc>
-                  <a:txBody>
-                    <a:bodyPr/>
-                    <a:lstStyle/>
-                    <a:p>
-                      <a:pPr algn="ctr"/>
-                      <a:r>
-                        <a:rPr lang="en-US" altLang="ko-KR" sz="2100" dirty="0"/>
-                        <a:t>1</a:t>
-                      </a:r>
-                      <a:r>
-                        <a:rPr lang="ko-KR" altLang="en-US" sz="2100" dirty="0"/>
-                        <a:t>시간</a:t>
-                      </a:r>
-                      <a:r>
-                        <a:rPr lang="en-US" altLang="ko-KR" sz="2100" dirty="0"/>
-                        <a:t>,</a:t>
-                      </a:r>
-                      <a:r>
-                        <a:rPr lang="ko-KR" altLang="en-US" sz="2100" dirty="0"/>
-                        <a:t> </a:t>
-                      </a:r>
-                      <a:r>
-                        <a:rPr lang="en-US" altLang="ko-KR" sz="2100" dirty="0"/>
-                        <a:t>10</a:t>
-                      </a:r>
-                      <a:r>
-                        <a:rPr lang="ko-KR" altLang="en-US" sz="2100" dirty="0"/>
-                        <a:t>인 내외</a:t>
                       </a:r>
                       <a:endParaRPr lang="en-US" sz="2100" dirty="0"/>
                     </a:p>
@@ -3918,8 +3934,8 @@
         </p:nvSpPr>
         <p:spPr>
           <a:xfrm>
-            <a:off x="13855" y="711473"/>
-            <a:ext cx="2245240" cy="772160"/>
+            <a:off x="2280782" y="711473"/>
+            <a:ext cx="2291217" cy="772160"/>
           </a:xfrm>
           <a:prstGeom prst="rect">
             <a:avLst/>

--- a/jetcity/img/price.pptx
+++ b/jetcity/img/price.pptx
@@ -4688,7 +4688,7 @@
           <p:nvPr>
             <p:extLst>
               <p:ext uri="{D42A27DB-BD31-4B8C-83A1-F6EECF244321}">
-                <p14:modId xmlns:p14="http://schemas.microsoft.com/office/powerpoint/2010/main" val="4093918350"/>
+                <p14:modId xmlns:p14="http://schemas.microsoft.com/office/powerpoint/2010/main" val="3884857106"/>
               </p:ext>
             </p:extLst>
           </p:nvPr>
@@ -4731,8 +4731,16 @@
                         <a:t>1</a:t>
                       </a:r>
                       <a:r>
-                        <a:rPr lang="ko-KR" altLang="en-US" sz="2100" dirty="0" err="1"/>
-                        <a:t>박패키지</a:t>
+                        <a:rPr lang="ko-KR" altLang="en-US" sz="2100" dirty="0"/>
+                        <a:t>박</a:t>
+                      </a:r>
+                      <a:r>
+                        <a:rPr lang="en-US" altLang="ko-KR" sz="2100" dirty="0"/>
+                        <a:t>2</a:t>
+                      </a:r>
+                      <a:r>
+                        <a:rPr lang="ko-KR" altLang="en-US" sz="2100" dirty="0"/>
+                        <a:t>일 패키지</a:t>
                       </a:r>
                       <a:r>
                         <a:rPr lang="en-US" altLang="ko-KR" sz="2100" dirty="0"/>
@@ -4762,8 +4770,16 @@
                         <a:t>1</a:t>
                       </a:r>
                       <a:r>
-                        <a:rPr lang="ko-KR" altLang="en-US" sz="2100" dirty="0" err="1"/>
-                        <a:t>박패키지</a:t>
+                        <a:rPr lang="ko-KR" altLang="en-US" sz="2100" dirty="0"/>
+                        <a:t>박</a:t>
+                      </a:r>
+                      <a:r>
+                        <a:rPr lang="en-US" altLang="ko-KR" sz="2100" dirty="0"/>
+                        <a:t>2</a:t>
+                      </a:r>
+                      <a:r>
+                        <a:rPr lang="ko-KR" altLang="en-US" sz="2100"/>
+                        <a:t>일 패키지</a:t>
                       </a:r>
                       <a:r>
                         <a:rPr lang="en-US" altLang="ko-KR" sz="2100" dirty="0"/>

--- a/jetcity/img/price.pptx
+++ b/jetcity/img/price.pptx
@@ -3534,7 +3534,7 @@
           <p:nvPr>
             <p:extLst>
               <p:ext uri="{D42A27DB-BD31-4B8C-83A1-F6EECF244321}">
-                <p14:modId xmlns:p14="http://schemas.microsoft.com/office/powerpoint/2010/main" val="2192421823"/>
+                <p14:modId xmlns:p14="http://schemas.microsoft.com/office/powerpoint/2010/main" val="1474251139"/>
               </p:ext>
             </p:extLst>
           </p:nvPr>
@@ -3645,6 +3645,18 @@
                         <a:rPr lang="ko-KR" altLang="en-US" sz="2400" dirty="0" err="1"/>
                         <a:t>시즌강습</a:t>
                       </a:r>
+                      <a:r>
+                        <a:rPr lang="en-US" altLang="ko-KR" sz="2400" dirty="0"/>
+                        <a:t>(~11</a:t>
+                      </a:r>
+                      <a:r>
+                        <a:rPr lang="ko-KR" altLang="en-US" sz="2400" dirty="0"/>
+                        <a:t>월</a:t>
+                      </a:r>
+                      <a:r>
+                        <a:rPr lang="en-US" altLang="ko-KR" sz="2400" dirty="0"/>
+                        <a:t>)</a:t>
+                      </a:r>
                       <a:endParaRPr lang="en-US" sz="2400" dirty="0"/>
                     </a:p>
                   </a:txBody>
@@ -3766,8 +3778,8 @@
                     <a:p>
                       <a:pPr algn="ctr"/>
                       <a:r>
-                        <a:rPr lang="ko-KR" altLang="en-US" sz="2100" dirty="0" err="1"/>
-                        <a:t>매주말</a:t>
+                        <a:rPr lang="ko-KR" altLang="en-US" sz="2100" dirty="0"/>
+                        <a:t>파도가 있는 매 주말</a:t>
                       </a:r>
                       <a:endParaRPr lang="en-US" sz="2100" dirty="0"/>
                     </a:p>
@@ -3904,6 +3916,14 @@
                       <a:r>
                         <a:rPr lang="ko-KR" altLang="en-US" sz="1400" dirty="0"/>
                         <a:t>촬영 및 리뷰 포함</a:t>
+                      </a:r>
+                      <a:endParaRPr lang="en-US" altLang="ko-KR" sz="1400" dirty="0"/>
+                    </a:p>
+                    <a:p>
+                      <a:pPr algn="ctr"/>
+                      <a:r>
+                        <a:rPr lang="ko-KR" altLang="en-US" sz="1400" dirty="0"/>
+                        <a:t>샤워 포함</a:t>
                       </a:r>
                       <a:endParaRPr lang="en-US" sz="1400" dirty="0"/>
                     </a:p>
@@ -4032,7 +4052,7 @@
           <p:nvPr>
             <p:extLst>
               <p:ext uri="{D42A27DB-BD31-4B8C-83A1-F6EECF244321}">
-                <p14:modId xmlns:p14="http://schemas.microsoft.com/office/powerpoint/2010/main" val="974958281"/>
+                <p14:modId xmlns:p14="http://schemas.microsoft.com/office/powerpoint/2010/main" val="2582369741"/>
               </p:ext>
             </p:extLst>
           </p:nvPr>
@@ -4232,12 +4252,8 @@
                         <a:t>1</a:t>
                       </a:r>
                       <a:r>
-                        <a:rPr lang="ko-KR" altLang="en-US" sz="1400" dirty="0"/>
-                        <a:t>인분 </a:t>
-                      </a:r>
-                      <a:r>
-                        <a:rPr lang="ko-KR" altLang="en-US" sz="1400" dirty="0" err="1"/>
-                        <a:t>고기무제한</a:t>
+                        <a:rPr lang="ko-KR" altLang="en-US" sz="1400"/>
+                        <a:t>인분 고기 무제한</a:t>
                       </a:r>
                       <a:r>
                         <a:rPr lang="en-US" altLang="ko-KR" sz="1400" dirty="0"/>
@@ -6204,14 +6220,14 @@
           <p:nvPr>
             <p:extLst>
               <p:ext uri="{D42A27DB-BD31-4B8C-83A1-F6EECF244321}">
-                <p14:modId xmlns:p14="http://schemas.microsoft.com/office/powerpoint/2010/main" val="3683121801"/>
+                <p14:modId xmlns:p14="http://schemas.microsoft.com/office/powerpoint/2010/main" val="1791400944"/>
               </p:ext>
             </p:extLst>
           </p:nvPr>
         </p:nvGraphicFramePr>
         <p:xfrm>
           <a:off x="-16744" y="21949146"/>
-          <a:ext cx="9154562" cy="1537546"/>
+          <a:ext cx="9154563" cy="1750906"/>
         </p:xfrm>
         <a:graphic>
           <a:graphicData uri="http://schemas.openxmlformats.org/drawingml/2006/table">
@@ -6220,20 +6236,27 @@
                 <a:tableStyleId>{93296810-A885-4BE3-A3E7-6D5BEEA58F35}</a:tableStyleId>
               </a:tblPr>
               <a:tblGrid>
-                <a:gridCol w="4577281">
+                <a:gridCol w="3051521">
                   <a:extLst>
                     <a:ext uri="{9D8B030D-6E8A-4147-A177-3AD203B41FA5}">
                       <a16:colId xmlns:a16="http://schemas.microsoft.com/office/drawing/2014/main" val="507653285"/>
                     </a:ext>
                   </a:extLst>
                 </a:gridCol>
-                <a:gridCol w="4577281">
+                <a:gridCol w="3051521">
                   <a:extLst>
                     <a:ext uri="{9D8B030D-6E8A-4147-A177-3AD203B41FA5}">
                       <a16:colId xmlns:a16="http://schemas.microsoft.com/office/drawing/2014/main" val="3428658852"/>
                     </a:ext>
                   </a:extLst>
                 </a:gridCol>
+                <a:gridCol w="3051521">
+                  <a:extLst>
+                    <a:ext uri="{9D8B030D-6E8A-4147-A177-3AD203B41FA5}">
+                      <a16:colId xmlns:a16="http://schemas.microsoft.com/office/drawing/2014/main" val="1120948039"/>
+                    </a:ext>
+                  </a:extLst>
+                </a:gridCol>
               </a:tblGrid>
               <a:tr h="494453">
                 <a:tc>
@@ -6260,6 +6283,21 @@
                       <a:r>
                         <a:rPr lang="ko-KR" altLang="en-US" sz="2100" dirty="0" err="1"/>
                         <a:t>시즌랜탈</a:t>
+                      </a:r>
+                      <a:endParaRPr lang="en-US" sz="2100" dirty="0"/>
+                    </a:p>
+                  </a:txBody>
+                  <a:tcPr marL="121920" marR="121920" marT="60960" marB="60960"/>
+                </a:tc>
+                <a:tc>
+                  <a:txBody>
+                    <a:bodyPr/>
+                    <a:lstStyle/>
+                    <a:p>
+                      <a:pPr algn="ctr"/>
+                      <a:r>
+                        <a:rPr lang="ko-KR" altLang="en-US" sz="2100" dirty="0" err="1"/>
+                        <a:t>시즌강습</a:t>
                       </a:r>
                       <a:endParaRPr lang="en-US" sz="2100" dirty="0"/>
                     </a:p>
@@ -6273,6 +6311,25 @@
                 </a:extLst>
               </a:tr>
               <a:tr h="494453">
+                <a:tc>
+                  <a:txBody>
+                    <a:bodyPr/>
+                    <a:lstStyle/>
+                    <a:p>
+                      <a:pPr algn="ctr"/>
+                      <a:r>
+                        <a:rPr lang="en-US" altLang="ko-KR" sz="2100" dirty="0"/>
+                        <a:t>50</a:t>
+                      </a:r>
+                      <a:r>
+                        <a:rPr lang="ko-KR" altLang="en-US" sz="2100" dirty="0"/>
+                        <a:t>만원</a:t>
+                      </a:r>
+                      <a:endParaRPr lang="en-US" sz="2100" dirty="0"/>
+                    </a:p>
+                  </a:txBody>
+                  <a:tcPr marL="121920" marR="121920" marT="60960" marB="60960"/>
+                </a:tc>
                 <a:tc>
                   <a:txBody>
                     <a:bodyPr/>
@@ -6432,6 +6489,53 @@
                         <a:t>샤워포함</a:t>
                       </a:r>
                       <a:endParaRPr lang="en-US" altLang="ko-KR" sz="1400" dirty="0"/>
+                    </a:p>
+                  </a:txBody>
+                  <a:tcPr marL="121920" marR="121920" marT="60960" marB="60960"/>
+                </a:tc>
+                <a:tc>
+                  <a:txBody>
+                    <a:bodyPr/>
+                    <a:lstStyle/>
+                    <a:p>
+                      <a:pPr algn="ctr"/>
+                      <a:r>
+                        <a:rPr lang="ko-KR" altLang="en-US" sz="1400" dirty="0"/>
+                        <a:t>파도가 있는 매 주말</a:t>
+                      </a:r>
+                      <a:endParaRPr lang="en-US" altLang="ko-KR" sz="1400" dirty="0"/>
+                    </a:p>
+                    <a:p>
+                      <a:pPr algn="ctr"/>
+                      <a:r>
+                        <a:rPr lang="ko-KR" altLang="en-US" sz="1400" dirty="0" err="1"/>
+                        <a:t>샤워포함</a:t>
+                      </a:r>
+                      <a:endParaRPr lang="en-US" altLang="ko-KR" sz="1400" dirty="0"/>
+                    </a:p>
+                    <a:p>
+                      <a:pPr marL="0" marR="0" lvl="0" indent="0" algn="ctr" defTabSz="914400" rtl="0" eaLnBrk="1" fontAlgn="auto" latinLnBrk="0" hangingPunct="1">
+                        <a:lnSpc>
+                          <a:spcPct val="100000"/>
+                        </a:lnSpc>
+                        <a:spcBef>
+                          <a:spcPts val="0"/>
+                        </a:spcBef>
+                        <a:spcAft>
+                          <a:spcPts val="0"/>
+                        </a:spcAft>
+                        <a:buClrTx/>
+                        <a:buSzTx/>
+                        <a:buFontTx/>
+                        <a:buNone/>
+                        <a:tabLst/>
+                        <a:defRPr/>
+                      </a:pPr>
+                      <a:r>
+                        <a:rPr lang="ko-KR" altLang="en-US" sz="1400" dirty="0"/>
+                        <a:t>촬영 및 리뷰 포함</a:t>
+                      </a:r>
+                      <a:endParaRPr lang="en-US" sz="1400" dirty="0"/>
                     </a:p>
                   </a:txBody>
                   <a:tcPr marL="121920" marR="121920" marT="60960" marB="60960"/>

--- a/jetcity/img/price.pptx
+++ b/jetcity/img/price.pptx
@@ -3427,7 +3427,7 @@
         <p:spPr>
           <a:xfrm>
             <a:off x="-1" y="7806429"/>
-            <a:ext cx="9101347" cy="615553"/>
+            <a:ext cx="9101347" cy="646331"/>
           </a:xfrm>
           <a:prstGeom prst="rect">
             <a:avLst/>
@@ -3442,26 +3442,30 @@
           <a:p>
             <a:pPr algn="ctr"/>
             <a:r>
-              <a:rPr lang="ko-KR" altLang="en-US" sz="3400" dirty="0"/>
+              <a:rPr lang="ko-KR" altLang="en-US" sz="3600" dirty="0"/>
               <a:t> 월간 </a:t>
             </a:r>
             <a:r>
-              <a:rPr lang="ko-KR" altLang="en-US" sz="3400" dirty="0" err="1"/>
-              <a:t>시즌회원</a:t>
+              <a:rPr lang="ko-KR" altLang="en-US" sz="3600" dirty="0" err="1"/>
+              <a:t>시즌회원권</a:t>
             </a:r>
             <a:r>
-              <a:rPr lang="ko-KR" altLang="en-US" sz="3400" dirty="0"/>
+              <a:rPr lang="ko-KR" altLang="en-US" sz="3600" dirty="0"/>
               <a:t> </a:t>
             </a:r>
             <a:r>
-              <a:rPr lang="en-US" altLang="ko-KR" sz="3400" dirty="0"/>
+              <a:rPr lang="en-US" altLang="ko-KR" sz="3600" dirty="0"/>
               <a:t>-</a:t>
             </a:r>
             <a:r>
-              <a:rPr lang="ko-KR" altLang="en-US" sz="3400" dirty="0"/>
-              <a:t> 양양에서 서핑하며 한 달 살기</a:t>
+              <a:rPr lang="ko-KR" altLang="en-US" sz="3600" dirty="0"/>
+              <a:t> </a:t>
             </a:r>
-            <a:endParaRPr lang="en-US" sz="3400" dirty="0"/>
+            <a:r>
+              <a:rPr lang="ko-KR" altLang="en-US" sz="2800" dirty="0"/>
+              <a:t>양양에서 서핑하며 한 달 살기</a:t>
+            </a:r>
+            <a:endParaRPr lang="en-US" sz="2800" dirty="0"/>
           </a:p>
         </p:txBody>
       </p:sp>
@@ -3480,14 +3484,14 @@
           <p:nvPr>
             <p:extLst>
               <p:ext uri="{D42A27DB-BD31-4B8C-83A1-F6EECF244321}">
-                <p14:modId xmlns:p14="http://schemas.microsoft.com/office/powerpoint/2010/main" val="1320813894"/>
+                <p14:modId xmlns:p14="http://schemas.microsoft.com/office/powerpoint/2010/main" val="2604845775"/>
               </p:ext>
             </p:extLst>
           </p:nvPr>
         </p:nvGraphicFramePr>
         <p:xfrm>
           <a:off x="-10564" y="841596"/>
-          <a:ext cx="9111912" cy="3187393"/>
+          <a:ext cx="9111912" cy="3520440"/>
         </p:xfrm>
         <a:graphic>
           <a:graphicData uri="http://schemas.openxmlformats.org/drawingml/2006/table">
@@ -3540,13 +3544,6 @@
                       </a:r>
                       <a:endParaRPr lang="en-US" altLang="ko-KR" sz="2400" dirty="0"/>
                     </a:p>
-                  </a:txBody>
-                  <a:tcPr marL="121920" marR="121920" marT="60960" marB="60960"/>
-                </a:tc>
-                <a:tc>
-                  <a:txBody>
-                    <a:bodyPr/>
-                    <a:lstStyle/>
                     <a:p>
                       <a:pPr marL="0" marR="0" lvl="0" indent="0" algn="ctr" defTabSz="914400" rtl="0" eaLnBrk="1" fontAlgn="auto" latinLnBrk="0" hangingPunct="1">
                         <a:lnSpc>
@@ -3566,70 +3563,34 @@
                         <a:defRPr/>
                       </a:pPr>
                       <a:r>
-                        <a:rPr lang="ko-KR" altLang="en-US" sz="2400" dirty="0" err="1"/>
-                        <a:t>시즌회원</a:t>
-                      </a:r>
-                      <a:r>
-                        <a:rPr lang="ko-KR" altLang="en-US" sz="2400" dirty="0"/>
-                        <a:t> 프리미엄</a:t>
+                        <a:rPr lang="en-US" altLang="ko-KR" sz="1800" dirty="0"/>
+                        <a:t>(</a:t>
+                      </a:r>
+                      <a:r>
+                        <a:rPr lang="ko-KR" altLang="en-US" sz="1800" dirty="0"/>
+                        <a:t>게스트하우스 숙박 </a:t>
+                      </a:r>
+                      <a:r>
+                        <a:rPr lang="en-US" altLang="ko-KR" sz="1800" dirty="0"/>
+                        <a:t>+</a:t>
+                      </a:r>
+                      <a:r>
+                        <a:rPr lang="ko-KR" altLang="en-US" sz="1800" dirty="0"/>
+                        <a:t> 보관 또는 </a:t>
+                      </a:r>
+                      <a:r>
+                        <a:rPr lang="ko-KR" altLang="en-US" sz="1800" dirty="0" err="1"/>
+                        <a:t>렌탈</a:t>
+                      </a:r>
+                      <a:r>
+                        <a:rPr lang="en-US" altLang="ko-KR" sz="1800" dirty="0"/>
+                        <a:t>)</a:t>
                       </a:r>
                       <a:endParaRPr lang="en-US" altLang="ko-KR" sz="2400" dirty="0"/>
                     </a:p>
                   </a:txBody>
                   <a:tcPr marL="121920" marR="121920" marT="60960" marB="60960"/>
                 </a:tc>
-                <a:extLst>
-                  <a:ext uri="{0D108BD9-81ED-4DB2-BD59-A6C34878D82A}">
-                    <a16:rowId xmlns:a16="http://schemas.microsoft.com/office/drawing/2014/main" val="413650638"/>
-                  </a:ext>
-                </a:extLst>
-              </a:tr>
-              <a:tr h="543560">
-                <a:tc>
-                  <a:txBody>
-                    <a:bodyPr/>
-                    <a:lstStyle/>
-                    <a:p>
-                      <a:pPr algn="ctr"/>
-                      <a:r>
-                        <a:rPr lang="en-US" altLang="ko-KR" sz="2100" dirty="0"/>
-                        <a:t>110</a:t>
-                      </a:r>
-                      <a:r>
-                        <a:rPr lang="ko-KR" altLang="en-US" sz="2100" dirty="0"/>
-                        <a:t>만원</a:t>
-                      </a:r>
-                      <a:endParaRPr lang="en-US" sz="2100" dirty="0"/>
-                    </a:p>
-                  </a:txBody>
-                  <a:tcPr marL="121920" marR="121920" marT="60960" marB="60960"/>
-                </a:tc>
-                <a:tc>
-                  <a:txBody>
-                    <a:bodyPr/>
-                    <a:lstStyle/>
-                    <a:p>
-                      <a:pPr algn="ctr"/>
-                      <a:r>
-                        <a:rPr lang="en-US" altLang="ko-KR" sz="2100" dirty="0"/>
-                        <a:t>150</a:t>
-                      </a:r>
-                      <a:r>
-                        <a:rPr lang="ko-KR" altLang="en-US" sz="2100" dirty="0"/>
-                        <a:t>만원</a:t>
-                      </a:r>
-                      <a:endParaRPr lang="en-US" sz="2100" dirty="0"/>
-                    </a:p>
-                  </a:txBody>
-                  <a:tcPr marL="121920" marR="121920" marT="60960" marB="60960"/>
-                </a:tc>
-                <a:extLst>
-                  <a:ext uri="{0D108BD9-81ED-4DB2-BD59-A6C34878D82A}">
-                    <a16:rowId xmlns:a16="http://schemas.microsoft.com/office/drawing/2014/main" val="3557491759"/>
-                  </a:ext>
-                </a:extLst>
-              </a:tr>
-              <a:tr h="543560">
                 <a:tc>
                   <a:txBody>
                     <a:bodyPr/>
@@ -3653,26 +3614,14 @@
                         <a:defRPr/>
                       </a:pPr>
                       <a:r>
-                        <a:rPr lang="ko-KR" altLang="en-US" sz="1800" kern="1200" dirty="0">
-                          <a:solidFill>
-                            <a:schemeClr val="dk1"/>
-                          </a:solidFill>
-                          <a:effectLst/>
-                          <a:latin typeface="+mn-lt"/>
-                          <a:ea typeface="+mn-ea"/>
-                          <a:cs typeface="+mn-cs"/>
-                        </a:rPr>
-                        <a:t>시즌내 전기간 숙박 </a:t>
-                      </a:r>
-                      <a:endParaRPr lang="en-US" altLang="ko-KR" sz="1800" kern="1200" dirty="0">
-                        <a:solidFill>
-                          <a:schemeClr val="dk1"/>
-                        </a:solidFill>
-                        <a:effectLst/>
-                        <a:latin typeface="+mn-lt"/>
-                        <a:ea typeface="+mn-ea"/>
-                        <a:cs typeface="+mn-cs"/>
-                      </a:endParaRPr>
+                        <a:rPr lang="ko-KR" altLang="en-US" sz="2400" dirty="0" err="1"/>
+                        <a:t>시즌회원</a:t>
+                      </a:r>
+                      <a:r>
+                        <a:rPr lang="ko-KR" altLang="en-US" sz="2400" dirty="0"/>
+                        <a:t> 프리미엄</a:t>
+                      </a:r>
+                      <a:endParaRPr lang="en-US" altLang="ko-KR" sz="2400" dirty="0"/>
                     </a:p>
                     <a:p>
                       <a:pPr marL="0" marR="0" lvl="0" indent="0" algn="ctr" defTabSz="914400" rtl="0" eaLnBrk="1" fontAlgn="auto" latinLnBrk="0" hangingPunct="1">
@@ -3693,138 +3642,178 @@
                         <a:defRPr/>
                       </a:pPr>
                       <a:r>
-                        <a:rPr lang="en-US" altLang="ko-KR" sz="1800" kern="1200" dirty="0">
-                          <a:solidFill>
-                            <a:schemeClr val="dk1"/>
-                          </a:solidFill>
-                          <a:effectLst/>
-                          <a:latin typeface="+mn-lt"/>
-                          <a:ea typeface="+mn-ea"/>
-                          <a:cs typeface="+mn-cs"/>
-                        </a:rPr>
+                        <a:rPr lang="en-US" altLang="ko-KR" sz="1800" dirty="0"/>
                         <a:t>(</a:t>
                       </a:r>
                       <a:r>
-                        <a:rPr lang="ko-KR" altLang="en-US" sz="1800" kern="1200" dirty="0">
-                          <a:solidFill>
-                            <a:schemeClr val="dk1"/>
-                          </a:solidFill>
-                          <a:effectLst/>
-                          <a:latin typeface="+mn-lt"/>
-                          <a:ea typeface="+mn-ea"/>
-                          <a:cs typeface="+mn-cs"/>
-                        </a:rPr>
-                        <a:t>단</a:t>
-                      </a:r>
-                      <a:r>
-                        <a:rPr lang="en-US" altLang="ko-KR" sz="1800" kern="1200" dirty="0">
-                          <a:solidFill>
-                            <a:schemeClr val="dk1"/>
-                          </a:solidFill>
-                          <a:effectLst/>
-                          <a:latin typeface="+mn-lt"/>
-                          <a:ea typeface="+mn-ea"/>
-                          <a:cs typeface="+mn-cs"/>
-                        </a:rPr>
-                        <a:t>,</a:t>
-                      </a:r>
-                      <a:r>
-                        <a:rPr lang="ko-KR" altLang="en-US" sz="1800" kern="1200" dirty="0">
-                          <a:solidFill>
-                            <a:schemeClr val="dk1"/>
-                          </a:solidFill>
-                          <a:effectLst/>
-                          <a:latin typeface="+mn-lt"/>
-                          <a:ea typeface="+mn-ea"/>
-                          <a:cs typeface="+mn-cs"/>
-                        </a:rPr>
+                        <a:rPr lang="ko-KR" altLang="en-US" sz="1800" dirty="0"/>
+                        <a:t>게스트하우스 </a:t>
+                      </a:r>
+                      <a:r>
+                        <a:rPr lang="ko-KR" altLang="en-US" sz="1800" dirty="0" err="1"/>
+                        <a:t>지정침대</a:t>
+                      </a:r>
+                      <a:r>
+                        <a:rPr lang="ko-KR" altLang="en-US" sz="1800" dirty="0"/>
                         <a:t> </a:t>
                       </a:r>
                       <a:r>
-                        <a:rPr lang="en-US" altLang="ko-KR" sz="1800" kern="1200" dirty="0">
-                          <a:solidFill>
-                            <a:schemeClr val="dk1"/>
-                          </a:solidFill>
-                          <a:effectLst/>
-                          <a:latin typeface="+mn-lt"/>
-                          <a:ea typeface="+mn-ea"/>
-                          <a:cs typeface="+mn-cs"/>
-                        </a:rPr>
-                        <a:t>7,8</a:t>
-                      </a:r>
-                      <a:r>
-                        <a:rPr lang="ko-KR" altLang="en-US" sz="1800" kern="1200" dirty="0">
-                          <a:solidFill>
-                            <a:schemeClr val="dk1"/>
-                          </a:solidFill>
-                          <a:effectLst/>
-                          <a:latin typeface="+mn-lt"/>
-                          <a:ea typeface="+mn-ea"/>
-                          <a:cs typeface="+mn-cs"/>
-                        </a:rPr>
-                        <a:t>월 </a:t>
-                      </a:r>
-                      <a:r>
-                        <a:rPr lang="en-US" altLang="ko-KR" sz="1800" kern="1200" dirty="0">
-                          <a:solidFill>
-                            <a:schemeClr val="dk1"/>
-                          </a:solidFill>
-                          <a:effectLst/>
-                          <a:latin typeface="+mn-lt"/>
-                          <a:ea typeface="+mn-ea"/>
-                          <a:cs typeface="+mn-cs"/>
-                        </a:rPr>
-                        <a:t>1</a:t>
-                      </a:r>
-                      <a:r>
-                        <a:rPr lang="ko-KR" altLang="en-US" sz="1800" kern="1200" dirty="0">
-                          <a:solidFill>
-                            <a:schemeClr val="dk1"/>
-                          </a:solidFill>
-                          <a:effectLst/>
-                          <a:latin typeface="+mn-lt"/>
-                          <a:ea typeface="+mn-ea"/>
-                          <a:cs typeface="+mn-cs"/>
-                        </a:rPr>
-                        <a:t>개월내 연속숙박일수 </a:t>
-                      </a:r>
-                      <a:r>
-                        <a:rPr lang="en-US" altLang="ko-KR" sz="1800" kern="1200" dirty="0">
-                          <a:solidFill>
-                            <a:schemeClr val="dk1"/>
-                          </a:solidFill>
-                          <a:effectLst/>
-                          <a:latin typeface="+mn-lt"/>
-                          <a:ea typeface="+mn-ea"/>
-                          <a:cs typeface="+mn-cs"/>
-                        </a:rPr>
-                        <a:t>7</a:t>
-                      </a:r>
-                      <a:r>
-                        <a:rPr lang="ko-KR" altLang="en-US" sz="1800" kern="1200" dirty="0">
-                          <a:solidFill>
-                            <a:schemeClr val="dk1"/>
-                          </a:solidFill>
-                          <a:effectLst/>
-                          <a:latin typeface="+mn-lt"/>
-                          <a:ea typeface="+mn-ea"/>
-                          <a:cs typeface="+mn-cs"/>
-                        </a:rPr>
-                        <a:t>일</a:t>
-                      </a:r>
-                      <a:r>
-                        <a:rPr lang="en-US" altLang="ko-KR" sz="1800" kern="1200" dirty="0">
-                          <a:solidFill>
-                            <a:schemeClr val="dk1"/>
-                          </a:solidFill>
-                          <a:effectLst/>
-                          <a:latin typeface="+mn-lt"/>
-                          <a:ea typeface="+mn-ea"/>
-                          <a:cs typeface="+mn-cs"/>
-                        </a:rPr>
-                        <a:t>,</a:t>
-                      </a:r>
-                    </a:p>
+                        <a:rPr lang="en-US" altLang="ko-KR" sz="1800" dirty="0"/>
+                        <a:t>+</a:t>
+                      </a:r>
+                      <a:r>
+                        <a:rPr lang="ko-KR" altLang="en-US" sz="1800" dirty="0"/>
+                        <a:t> 보관 또는 </a:t>
+                      </a:r>
+                      <a:r>
+                        <a:rPr lang="ko-KR" altLang="en-US" sz="1800" dirty="0" err="1"/>
+                        <a:t>렌탈</a:t>
+                      </a:r>
+                      <a:r>
+                        <a:rPr lang="en-US" altLang="ko-KR" sz="1800" dirty="0"/>
+                        <a:t>)</a:t>
+                      </a:r>
+                      <a:endParaRPr lang="en-US" altLang="ko-KR" sz="3200" dirty="0"/>
+                    </a:p>
+                  </a:txBody>
+                  <a:tcPr marL="121920" marR="121920" marT="60960" marB="60960"/>
+                </a:tc>
+                <a:extLst>
+                  <a:ext uri="{0D108BD9-81ED-4DB2-BD59-A6C34878D82A}">
+                    <a16:rowId xmlns:a16="http://schemas.microsoft.com/office/drawing/2014/main" val="413650638"/>
+                  </a:ext>
+                </a:extLst>
+              </a:tr>
+              <a:tr h="543560">
+                <a:tc>
+                  <a:txBody>
+                    <a:bodyPr/>
+                    <a:lstStyle/>
+                    <a:p>
+                      <a:pPr algn="ctr"/>
+                      <a:r>
+                        <a:rPr lang="en-US" altLang="ko-KR" sz="2100" dirty="0"/>
+                        <a:t>110</a:t>
+                      </a:r>
+                      <a:r>
+                        <a:rPr lang="ko-KR" altLang="en-US" sz="2100" dirty="0"/>
+                        <a:t>만원 </a:t>
+                      </a:r>
+                      <a:endParaRPr lang="en-US" altLang="ko-KR" sz="2100" dirty="0"/>
+                    </a:p>
+                    <a:p>
+                      <a:pPr algn="ctr"/>
+                      <a:r>
+                        <a:rPr lang="ko-KR" altLang="en-US" sz="1800" dirty="0"/>
+                        <a:t>숙박</a:t>
+                      </a:r>
+                      <a:r>
+                        <a:rPr lang="en-US" altLang="ko-KR" sz="1800" dirty="0"/>
+                        <a:t>60</a:t>
+                      </a:r>
+                      <a:r>
+                        <a:rPr lang="ko-KR" altLang="en-US" sz="1800" dirty="0"/>
+                        <a:t>만원 </a:t>
+                      </a:r>
+                      <a:r>
+                        <a:rPr lang="en-US" altLang="ko-KR" sz="1800" dirty="0"/>
+                        <a:t>+</a:t>
+                      </a:r>
+                      <a:r>
+                        <a:rPr lang="ko-KR" altLang="en-US" sz="1800" dirty="0"/>
+                        <a:t> 보관 또는 </a:t>
+                      </a:r>
+                      <a:r>
+                        <a:rPr lang="ko-KR" altLang="en-US" sz="1800" dirty="0" err="1"/>
+                        <a:t>랜탈</a:t>
+                      </a:r>
+                      <a:r>
+                        <a:rPr lang="ko-KR" altLang="en-US" sz="1800" dirty="0"/>
+                        <a:t> </a:t>
+                      </a:r>
+                      <a:r>
+                        <a:rPr lang="en-US" altLang="ko-KR" sz="1800" dirty="0"/>
+                        <a:t>50</a:t>
+                      </a:r>
+                      <a:r>
+                        <a:rPr lang="ko-KR" altLang="en-US" sz="1800" dirty="0"/>
+                        <a:t>만원</a:t>
+                      </a:r>
+                      <a:endParaRPr lang="en-US" sz="2100" dirty="0"/>
+                    </a:p>
+                  </a:txBody>
+                  <a:tcPr marL="121920" marR="121920" marT="60960" marB="60960"/>
+                </a:tc>
+                <a:tc>
+                  <a:txBody>
+                    <a:bodyPr/>
+                    <a:lstStyle/>
+                    <a:p>
+                      <a:pPr algn="ctr"/>
+                      <a:r>
+                        <a:rPr lang="en-US" altLang="ko-KR" sz="2100" dirty="0"/>
+                        <a:t>150</a:t>
+                      </a:r>
+                      <a:r>
+                        <a:rPr lang="ko-KR" altLang="en-US" sz="2100" dirty="0"/>
+                        <a:t>만원</a:t>
+                      </a:r>
+                      <a:endParaRPr lang="en-US" altLang="ko-KR" sz="2100" dirty="0"/>
+                    </a:p>
+                    <a:p>
+                      <a:pPr algn="ctr"/>
+                      <a:r>
+                        <a:rPr lang="ko-KR" altLang="en-US" sz="1800" dirty="0" err="1"/>
+                        <a:t>지정침대</a:t>
+                      </a:r>
+                      <a:r>
+                        <a:rPr lang="en-US" altLang="ko-KR" sz="1800" dirty="0"/>
+                        <a:t>100</a:t>
+                      </a:r>
+                      <a:r>
+                        <a:rPr lang="ko-KR" altLang="en-US" sz="1800" dirty="0"/>
+                        <a:t>만원 </a:t>
+                      </a:r>
+                      <a:r>
+                        <a:rPr lang="en-US" altLang="ko-KR" sz="1800" dirty="0"/>
+                        <a:t>+</a:t>
+                      </a:r>
+                      <a:r>
+                        <a:rPr lang="ko-KR" altLang="en-US" sz="1800" dirty="0"/>
+                        <a:t> 보관 또는 </a:t>
+                      </a:r>
+                      <a:r>
+                        <a:rPr lang="ko-KR" altLang="en-US" sz="1800" dirty="0" err="1"/>
+                        <a:t>랜탈</a:t>
+                      </a:r>
+                      <a:r>
+                        <a:rPr lang="ko-KR" altLang="en-US" sz="1800" dirty="0"/>
+                        <a:t> </a:t>
+                      </a:r>
+                      <a:r>
+                        <a:rPr lang="en-US" altLang="ko-KR" sz="1800" dirty="0"/>
+                        <a:t>50</a:t>
+                      </a:r>
+                      <a:r>
+                        <a:rPr lang="ko-KR" altLang="en-US" sz="1800" dirty="0"/>
+                        <a:t>만원</a:t>
+                      </a:r>
+                      <a:endParaRPr lang="en-US" sz="2100" dirty="0"/>
+                    </a:p>
+                  </a:txBody>
+                  <a:tcPr marL="121920" marR="121920" marT="60960" marB="60960"/>
+                </a:tc>
+                <a:extLst>
+                  <a:ext uri="{0D108BD9-81ED-4DB2-BD59-A6C34878D82A}">
+                    <a16:rowId xmlns:a16="http://schemas.microsoft.com/office/drawing/2014/main" val="3557491759"/>
+                  </a:ext>
+                </a:extLst>
+              </a:tr>
+              <a:tr h="543560">
+                <a:tc>
+                  <a:txBody>
+                    <a:bodyPr/>
+                    <a:lstStyle/>
                     <a:p>
                       <a:pPr marL="0" marR="0" lvl="0" indent="0" algn="ctr" defTabSz="914400" rtl="0" eaLnBrk="1" fontAlgn="auto" latinLnBrk="0" hangingPunct="1">
                         <a:lnSpc>
@@ -3844,7 +3833,7 @@
                         <a:defRPr/>
                       </a:pPr>
                       <a:r>
-                        <a:rPr lang="ko-KR" altLang="en-US" sz="1800" kern="1200" dirty="0" err="1">
+                        <a:rPr lang="ko-KR" altLang="en-US" sz="1800" kern="1200" dirty="0">
                           <a:solidFill>
                             <a:schemeClr val="dk1"/>
                           </a:solidFill>
@@ -3853,67 +3842,7 @@
                           <a:ea typeface="+mn-ea"/>
                           <a:cs typeface="+mn-cs"/>
                         </a:rPr>
-                        <a:t>총숙박일수</a:t>
-                      </a:r>
-                      <a:r>
-                        <a:rPr lang="ko-KR" altLang="en-US" sz="1800" kern="1200" dirty="0">
-                          <a:solidFill>
-                            <a:schemeClr val="dk1"/>
-                          </a:solidFill>
-                          <a:effectLst/>
-                          <a:latin typeface="+mn-lt"/>
-                          <a:ea typeface="+mn-ea"/>
-                          <a:cs typeface="+mn-cs"/>
-                        </a:rPr>
-                        <a:t> </a:t>
-                      </a:r>
-                      <a:r>
-                        <a:rPr lang="en-US" altLang="ko-KR" sz="1800" kern="1200" dirty="0">
-                          <a:solidFill>
-                            <a:schemeClr val="dk1"/>
-                          </a:solidFill>
-                          <a:effectLst/>
-                          <a:latin typeface="+mn-lt"/>
-                          <a:ea typeface="+mn-ea"/>
-                          <a:cs typeface="+mn-cs"/>
-                        </a:rPr>
-                        <a:t>14</a:t>
-                      </a:r>
-                      <a:r>
-                        <a:rPr lang="ko-KR" altLang="en-US" sz="1800" kern="1200" dirty="0">
-                          <a:solidFill>
-                            <a:schemeClr val="dk1"/>
-                          </a:solidFill>
-                          <a:effectLst/>
-                          <a:latin typeface="+mn-lt"/>
-                          <a:ea typeface="+mn-ea"/>
-                          <a:cs typeface="+mn-cs"/>
-                        </a:rPr>
-                        <a:t>일</a:t>
-                      </a:r>
-                      <a:r>
-                        <a:rPr lang="en-US" altLang="ko-KR" sz="1800" kern="1200" dirty="0">
-                          <a:solidFill>
-                            <a:schemeClr val="dk1"/>
-                          </a:solidFill>
-                          <a:effectLst/>
-                          <a:latin typeface="+mn-lt"/>
-                          <a:ea typeface="+mn-ea"/>
-                          <a:cs typeface="+mn-cs"/>
-                        </a:rPr>
-                        <a:t>)</a:t>
-                      </a:r>
-                      <a:r>
-                        <a:rPr lang="ko-KR" altLang="en-US" sz="1800" kern="1200" dirty="0">
-                          <a:solidFill>
-                            <a:schemeClr val="dk1"/>
-                          </a:solidFill>
-                          <a:effectLst/>
-                          <a:latin typeface="+mn-lt"/>
-                          <a:ea typeface="+mn-ea"/>
-                          <a:cs typeface="+mn-cs"/>
-                        </a:rPr>
-                        <a:t> </a:t>
+                        <a:t>시즌내 전기간 숙박 </a:t>
                       </a:r>
                       <a:endParaRPr lang="en-US" altLang="ko-KR" sz="1800" kern="1200" dirty="0">
                         <a:solidFill>
@@ -3926,9 +3855,25 @@
                       </a:endParaRPr>
                     </a:p>
                     <a:p>
-                      <a:pPr algn="ctr"/>
-                      <a:r>
-                        <a:rPr lang="ko-KR" altLang="en-US" sz="1800" kern="1200" dirty="0">
+                      <a:pPr marL="0" marR="0" lvl="0" indent="0" algn="ctr" defTabSz="914400" rtl="0" eaLnBrk="1" fontAlgn="auto" latinLnBrk="0" hangingPunct="1">
+                        <a:lnSpc>
+                          <a:spcPct val="100000"/>
+                        </a:lnSpc>
+                        <a:spcBef>
+                          <a:spcPts val="0"/>
+                        </a:spcBef>
+                        <a:spcAft>
+                          <a:spcPts val="0"/>
+                        </a:spcAft>
+                        <a:buClrTx/>
+                        <a:buSzTx/>
+                        <a:buFontTx/>
+                        <a:buNone/>
+                        <a:tabLst/>
+                        <a:defRPr/>
+                      </a:pPr>
+                      <a:r>
+                        <a:rPr lang="en-US" altLang="ko-KR" sz="1800" kern="1200" dirty="0">
                           <a:solidFill>
                             <a:schemeClr val="dk1"/>
                           </a:solidFill>
@@ -3937,7 +3882,254 @@
                           <a:ea typeface="+mn-ea"/>
                           <a:cs typeface="+mn-cs"/>
                         </a:rPr>
-                        <a:t>일주일전 숙박예약필수</a:t>
+                        <a:t>(</a:t>
+                      </a:r>
+                      <a:r>
+                        <a:rPr lang="ko-KR" altLang="en-US" sz="1800" kern="1200" dirty="0">
+                          <a:solidFill>
+                            <a:schemeClr val="dk1"/>
+                          </a:solidFill>
+                          <a:effectLst/>
+                          <a:latin typeface="+mn-lt"/>
+                          <a:ea typeface="+mn-ea"/>
+                          <a:cs typeface="+mn-cs"/>
+                        </a:rPr>
+                        <a:t>단</a:t>
+                      </a:r>
+                      <a:r>
+                        <a:rPr lang="en-US" altLang="ko-KR" sz="1800" kern="1200" dirty="0">
+                          <a:solidFill>
+                            <a:schemeClr val="dk1"/>
+                          </a:solidFill>
+                          <a:effectLst/>
+                          <a:latin typeface="+mn-lt"/>
+                          <a:ea typeface="+mn-ea"/>
+                          <a:cs typeface="+mn-cs"/>
+                        </a:rPr>
+                        <a:t>,</a:t>
+                      </a:r>
+                      <a:r>
+                        <a:rPr lang="ko-KR" altLang="en-US" sz="1800" kern="1200" dirty="0">
+                          <a:solidFill>
+                            <a:schemeClr val="dk1"/>
+                          </a:solidFill>
+                          <a:effectLst/>
+                          <a:latin typeface="+mn-lt"/>
+                          <a:ea typeface="+mn-ea"/>
+                          <a:cs typeface="+mn-cs"/>
+                        </a:rPr>
+                        <a:t> </a:t>
+                      </a:r>
+                      <a:r>
+                        <a:rPr lang="en-US" altLang="ko-KR" sz="1800" kern="1200" dirty="0">
+                          <a:solidFill>
+                            <a:schemeClr val="dk1"/>
+                          </a:solidFill>
+                          <a:effectLst/>
+                          <a:latin typeface="+mn-lt"/>
+                          <a:ea typeface="+mn-ea"/>
+                          <a:cs typeface="+mn-cs"/>
+                        </a:rPr>
+                        <a:t>7,8</a:t>
+                      </a:r>
+                      <a:r>
+                        <a:rPr lang="ko-KR" altLang="en-US" sz="1800" kern="1200" dirty="0">
+                          <a:solidFill>
+                            <a:schemeClr val="dk1"/>
+                          </a:solidFill>
+                          <a:effectLst/>
+                          <a:latin typeface="+mn-lt"/>
+                          <a:ea typeface="+mn-ea"/>
+                          <a:cs typeface="+mn-cs"/>
+                        </a:rPr>
+                        <a:t>월 </a:t>
+                      </a:r>
+                      <a:r>
+                        <a:rPr lang="en-US" altLang="ko-KR" sz="1800" kern="1200" dirty="0">
+                          <a:solidFill>
+                            <a:schemeClr val="dk1"/>
+                          </a:solidFill>
+                          <a:effectLst/>
+                          <a:latin typeface="+mn-lt"/>
+                          <a:ea typeface="+mn-ea"/>
+                          <a:cs typeface="+mn-cs"/>
+                        </a:rPr>
+                        <a:t>1</a:t>
+                      </a:r>
+                      <a:r>
+                        <a:rPr lang="ko-KR" altLang="en-US" sz="1800" kern="1200" dirty="0">
+                          <a:solidFill>
+                            <a:schemeClr val="dk1"/>
+                          </a:solidFill>
+                          <a:effectLst/>
+                          <a:latin typeface="+mn-lt"/>
+                          <a:ea typeface="+mn-ea"/>
+                          <a:cs typeface="+mn-cs"/>
+                        </a:rPr>
+                        <a:t>개월내 연속숙박일수 최대</a:t>
+                      </a:r>
+                      <a:r>
+                        <a:rPr lang="en-US" altLang="ko-KR" sz="1800" kern="1200" dirty="0">
+                          <a:solidFill>
+                            <a:schemeClr val="dk1"/>
+                          </a:solidFill>
+                          <a:effectLst/>
+                          <a:latin typeface="+mn-lt"/>
+                          <a:ea typeface="+mn-ea"/>
+                          <a:cs typeface="+mn-cs"/>
+                        </a:rPr>
+                        <a:t>7</a:t>
+                      </a:r>
+                      <a:r>
+                        <a:rPr lang="ko-KR" altLang="en-US" sz="1800" kern="1200" dirty="0">
+                          <a:solidFill>
+                            <a:schemeClr val="dk1"/>
+                          </a:solidFill>
+                          <a:effectLst/>
+                          <a:latin typeface="+mn-lt"/>
+                          <a:ea typeface="+mn-ea"/>
+                          <a:cs typeface="+mn-cs"/>
+                        </a:rPr>
+                        <a:t>일</a:t>
+                      </a:r>
+                      <a:r>
+                        <a:rPr lang="en-US" altLang="ko-KR" sz="1800" kern="1200" dirty="0">
+                          <a:solidFill>
+                            <a:schemeClr val="dk1"/>
+                          </a:solidFill>
+                          <a:effectLst/>
+                          <a:latin typeface="+mn-lt"/>
+                          <a:ea typeface="+mn-ea"/>
+                          <a:cs typeface="+mn-cs"/>
+                        </a:rPr>
+                        <a:t>,</a:t>
+                      </a:r>
+                    </a:p>
+                    <a:p>
+                      <a:pPr marL="0" marR="0" lvl="0" indent="0" algn="ctr" defTabSz="914400" rtl="0" eaLnBrk="1" fontAlgn="auto" latinLnBrk="0" hangingPunct="1">
+                        <a:lnSpc>
+                          <a:spcPct val="100000"/>
+                        </a:lnSpc>
+                        <a:spcBef>
+                          <a:spcPts val="0"/>
+                        </a:spcBef>
+                        <a:spcAft>
+                          <a:spcPts val="0"/>
+                        </a:spcAft>
+                        <a:buClrTx/>
+                        <a:buSzTx/>
+                        <a:buFontTx/>
+                        <a:buNone/>
+                        <a:tabLst/>
+                        <a:defRPr/>
+                      </a:pPr>
+                      <a:r>
+                        <a:rPr lang="ko-KR" altLang="en-US" sz="1800" kern="1200" dirty="0" err="1">
+                          <a:solidFill>
+                            <a:schemeClr val="dk1"/>
+                          </a:solidFill>
+                          <a:effectLst/>
+                          <a:latin typeface="+mn-lt"/>
+                          <a:ea typeface="+mn-ea"/>
+                          <a:cs typeface="+mn-cs"/>
+                        </a:rPr>
+                        <a:t>총숙박일수</a:t>
+                      </a:r>
+                      <a:r>
+                        <a:rPr lang="ko-KR" altLang="en-US" sz="1800" kern="1200" dirty="0">
+                          <a:solidFill>
+                            <a:schemeClr val="dk1"/>
+                          </a:solidFill>
+                          <a:effectLst/>
+                          <a:latin typeface="+mn-lt"/>
+                          <a:ea typeface="+mn-ea"/>
+                          <a:cs typeface="+mn-cs"/>
+                        </a:rPr>
+                        <a:t> 최대</a:t>
+                      </a:r>
+                      <a:r>
+                        <a:rPr lang="en-US" altLang="ko-KR" sz="1800" kern="1200" dirty="0">
+                          <a:solidFill>
+                            <a:schemeClr val="dk1"/>
+                          </a:solidFill>
+                          <a:effectLst/>
+                          <a:latin typeface="+mn-lt"/>
+                          <a:ea typeface="+mn-ea"/>
+                          <a:cs typeface="+mn-cs"/>
+                        </a:rPr>
+                        <a:t>14</a:t>
+                      </a:r>
+                      <a:r>
+                        <a:rPr lang="ko-KR" altLang="en-US" sz="1800" kern="1200" dirty="0">
+                          <a:solidFill>
+                            <a:schemeClr val="dk1"/>
+                          </a:solidFill>
+                          <a:effectLst/>
+                          <a:latin typeface="+mn-lt"/>
+                          <a:ea typeface="+mn-ea"/>
+                          <a:cs typeface="+mn-cs"/>
+                        </a:rPr>
+                        <a:t>일</a:t>
+                      </a:r>
+                      <a:r>
+                        <a:rPr lang="en-US" altLang="ko-KR" sz="1800" kern="1200" dirty="0">
+                          <a:solidFill>
+                            <a:schemeClr val="dk1"/>
+                          </a:solidFill>
+                          <a:effectLst/>
+                          <a:latin typeface="+mn-lt"/>
+                          <a:ea typeface="+mn-ea"/>
+                          <a:cs typeface="+mn-cs"/>
+                        </a:rPr>
+                        <a:t>)</a:t>
+                      </a:r>
+                      <a:r>
+                        <a:rPr lang="ko-KR" altLang="en-US" sz="1800" kern="1200" dirty="0">
+                          <a:solidFill>
+                            <a:schemeClr val="dk1"/>
+                          </a:solidFill>
+                          <a:effectLst/>
+                          <a:latin typeface="+mn-lt"/>
+                          <a:ea typeface="+mn-ea"/>
+                          <a:cs typeface="+mn-cs"/>
+                        </a:rPr>
+                        <a:t> </a:t>
+                      </a:r>
+                      <a:endParaRPr lang="en-US" altLang="ko-KR" sz="1800" kern="1200" dirty="0">
+                        <a:solidFill>
+                          <a:schemeClr val="dk1"/>
+                        </a:solidFill>
+                        <a:effectLst/>
+                        <a:latin typeface="+mn-lt"/>
+                        <a:ea typeface="+mn-ea"/>
+                        <a:cs typeface="+mn-cs"/>
+                      </a:endParaRPr>
+                    </a:p>
+                    <a:p>
+                      <a:pPr algn="ctr"/>
+                      <a:r>
+                        <a:rPr lang="en-US" altLang="ko-KR" sz="1800" kern="1200" dirty="0">
+                          <a:solidFill>
+                            <a:schemeClr val="dk1"/>
+                          </a:solidFill>
+                          <a:effectLst/>
+                          <a:latin typeface="+mn-lt"/>
+                          <a:ea typeface="+mn-ea"/>
+                          <a:cs typeface="+mn-cs"/>
+                        </a:rPr>
+                        <a:t>8</a:t>
+                      </a:r>
+                      <a:r>
+                        <a:rPr lang="ko-KR" altLang="en-US" sz="1800" kern="1200" dirty="0">
+                          <a:solidFill>
+                            <a:schemeClr val="dk1"/>
+                          </a:solidFill>
+                          <a:effectLst/>
+                          <a:latin typeface="+mn-lt"/>
+                          <a:ea typeface="+mn-ea"/>
+                          <a:cs typeface="+mn-cs"/>
+                        </a:rPr>
+                        <a:t>인실 일주일전 숙박예약필수</a:t>
                       </a:r>
                       <a:endParaRPr lang="en-US" altLang="ko-KR" sz="1800" kern="1200" dirty="0">
                         <a:solidFill>
@@ -4321,13 +4513,13 @@
           <p:nvPr>
             <p:extLst>
               <p:ext uri="{D42A27DB-BD31-4B8C-83A1-F6EECF244321}">
-                <p14:modId xmlns:p14="http://schemas.microsoft.com/office/powerpoint/2010/main" val="2676432363"/>
+                <p14:modId xmlns:p14="http://schemas.microsoft.com/office/powerpoint/2010/main" val="3886413009"/>
               </p:ext>
             </p:extLst>
           </p:nvPr>
         </p:nvGraphicFramePr>
         <p:xfrm>
-          <a:off x="-10563" y="4298798"/>
+          <a:off x="-10563" y="4566090"/>
           <a:ext cx="9154563" cy="2854960"/>
         </p:xfrm>
         <a:graphic>
@@ -4496,6 +4688,14 @@
                     <a:lstStyle/>
                     <a:p>
                       <a:pPr algn="ctr"/>
+                      <a:r>
+                        <a:rPr lang="ko-KR" altLang="en-US" sz="2100" dirty="0" err="1"/>
+                        <a:t>팬션룸</a:t>
+                      </a:r>
+                      <a:r>
+                        <a:rPr lang="ko-KR" altLang="en-US" sz="2100" dirty="0"/>
+                        <a:t> </a:t>
+                      </a:r>
                       <a:r>
                         <a:rPr lang="en-US" altLang="ko-KR" sz="2100" dirty="0"/>
                         <a:t>1</a:t>
@@ -5911,14 +6111,14 @@
           <p:nvPr>
             <p:extLst>
               <p:ext uri="{D42A27DB-BD31-4B8C-83A1-F6EECF244321}">
-                <p14:modId xmlns:p14="http://schemas.microsoft.com/office/powerpoint/2010/main" val="1105119880"/>
+                <p14:modId xmlns:p14="http://schemas.microsoft.com/office/powerpoint/2010/main" val="1398143002"/>
               </p:ext>
             </p:extLst>
           </p:nvPr>
         </p:nvGraphicFramePr>
         <p:xfrm>
           <a:off x="-10564" y="8408827"/>
-          <a:ext cx="9111912" cy="2364433"/>
+          <a:ext cx="9111912" cy="2524760"/>
         </p:xfrm>
         <a:graphic>
           <a:graphicData uri="http://schemas.openxmlformats.org/drawingml/2006/table">
@@ -5986,13 +6186,6 @@
                         <a:t>)</a:t>
                       </a:r>
                     </a:p>
-                  </a:txBody>
-                  <a:tcPr marL="121920" marR="121920" marT="60960" marB="60960"/>
-                </a:tc>
-                <a:tc>
-                  <a:txBody>
-                    <a:bodyPr/>
-                    <a:lstStyle/>
                     <a:p>
                       <a:pPr marL="0" marR="0" lvl="0" indent="0" algn="ctr" defTabSz="914400" rtl="0" eaLnBrk="1" fontAlgn="auto" latinLnBrk="0" hangingPunct="1">
                         <a:lnSpc>
@@ -6012,12 +6205,62 @@
                         <a:defRPr/>
                       </a:pPr>
                       <a:r>
+                        <a:rPr lang="en-US" altLang="ko-KR" sz="1800" dirty="0"/>
+                        <a:t>(</a:t>
+                      </a:r>
+                      <a:r>
+                        <a:rPr lang="ko-KR" altLang="en-US" sz="1800" dirty="0"/>
+                        <a:t>게스트하우스 숙박 </a:t>
+                      </a:r>
+                      <a:r>
+                        <a:rPr lang="en-US" altLang="ko-KR" sz="1800" dirty="0"/>
+                        <a:t>+</a:t>
+                      </a:r>
+                      <a:r>
+                        <a:rPr lang="ko-KR" altLang="en-US" sz="1800" dirty="0"/>
+                        <a:t> 보관 또는 </a:t>
+                      </a:r>
+                      <a:r>
+                        <a:rPr lang="ko-KR" altLang="en-US" sz="1800" dirty="0" err="1"/>
+                        <a:t>렌탈</a:t>
+                      </a:r>
+                      <a:r>
+                        <a:rPr lang="en-US" altLang="ko-KR" sz="1800" dirty="0"/>
+                        <a:t>)</a:t>
+                      </a:r>
+                    </a:p>
+                  </a:txBody>
+                  <a:tcPr marL="121920" marR="121920" marT="60960" marB="60960"/>
+                </a:tc>
+                <a:tc>
+                  <a:txBody>
+                    <a:bodyPr/>
+                    <a:lstStyle/>
+                    <a:p>
+                      <a:pPr marL="0" marR="0" lvl="0" indent="0" algn="ctr" defTabSz="914400" rtl="0" eaLnBrk="1" fontAlgn="auto" latinLnBrk="0" hangingPunct="1">
+                        <a:lnSpc>
+                          <a:spcPct val="100000"/>
+                        </a:lnSpc>
+                        <a:spcBef>
+                          <a:spcPts val="0"/>
+                        </a:spcBef>
+                        <a:spcAft>
+                          <a:spcPts val="0"/>
+                        </a:spcAft>
+                        <a:buClrTx/>
+                        <a:buSzTx/>
+                        <a:buFontTx/>
+                        <a:buNone/>
+                        <a:tabLst/>
+                        <a:defRPr/>
+                      </a:pPr>
+                      <a:r>
                         <a:rPr lang="ko-KR" altLang="en-US" sz="2400" dirty="0" err="1"/>
                         <a:t>시즌회원</a:t>
                       </a:r>
                       <a:r>
                         <a:rPr lang="ko-KR" altLang="en-US" sz="2400" dirty="0"/>
-                        <a:t> 프리미엄</a:t>
+                        <a:t> 프리미엄 </a:t>
                       </a:r>
                       <a:r>
                         <a:rPr lang="en-US" altLang="ko-KR" sz="2400" dirty="0"/>
@@ -6029,6 +6272,57 @@
                       </a:r>
                       <a:r>
                         <a:rPr lang="en-US" altLang="ko-KR" sz="2400" dirty="0"/>
+                        <a:t>)</a:t>
+                      </a:r>
+                    </a:p>
+                    <a:p>
+                      <a:pPr marL="0" marR="0" lvl="0" indent="0" algn="ctr" defTabSz="914400" rtl="0" eaLnBrk="1" fontAlgn="auto" latinLnBrk="0" hangingPunct="1">
+                        <a:lnSpc>
+                          <a:spcPct val="100000"/>
+                        </a:lnSpc>
+                        <a:spcBef>
+                          <a:spcPts val="0"/>
+                        </a:spcBef>
+                        <a:spcAft>
+                          <a:spcPts val="0"/>
+                        </a:spcAft>
+                        <a:buClrTx/>
+                        <a:buSzTx/>
+                        <a:buFontTx/>
+                        <a:buNone/>
+                        <a:tabLst/>
+                        <a:defRPr/>
+                      </a:pPr>
+                      <a:r>
+                        <a:rPr lang="en-US" altLang="ko-KR" sz="1800" dirty="0"/>
+                        <a:t>(</a:t>
+                      </a:r>
+                      <a:r>
+                        <a:rPr lang="ko-KR" altLang="en-US" sz="1800" dirty="0"/>
+                        <a:t>게스트하우스 </a:t>
+                      </a:r>
+                      <a:r>
+                        <a:rPr lang="ko-KR" altLang="en-US" sz="1800" dirty="0" err="1"/>
+                        <a:t>지정침대</a:t>
+                      </a:r>
+                      <a:r>
+                        <a:rPr lang="ko-KR" altLang="en-US" sz="1800" dirty="0"/>
+                        <a:t> </a:t>
+                      </a:r>
+                      <a:r>
+                        <a:rPr lang="en-US" altLang="ko-KR" sz="1800" dirty="0"/>
+                        <a:t>+</a:t>
+                      </a:r>
+                      <a:r>
+                        <a:rPr lang="ko-KR" altLang="en-US" sz="1800" dirty="0"/>
+                        <a:t> 보관 또는 </a:t>
+                      </a:r>
+                      <a:r>
+                        <a:rPr lang="ko-KR" altLang="en-US" sz="1800" dirty="0" err="1"/>
+                        <a:t>렌탈</a:t>
+                      </a:r>
+                      <a:r>
+                        <a:rPr lang="en-US" altLang="ko-KR" sz="1800" dirty="0"/>
                         <a:t>)</a:t>
                       </a:r>
                     </a:p>
@@ -6382,7 +6676,7 @@
         <p:spPr>
           <a:xfrm>
             <a:off x="302788" y="232632"/>
-            <a:ext cx="8473440" cy="584775"/>
+            <a:ext cx="8473440" cy="646331"/>
           </a:xfrm>
           <a:prstGeom prst="rect">
             <a:avLst/>
@@ -6397,35 +6691,31 @@
           <a:p>
             <a:pPr algn="ctr"/>
             <a:r>
-              <a:rPr lang="ko-KR" altLang="en-US" sz="3200" dirty="0"/>
-              <a:t>연간 </a:t>
+              <a:rPr lang="ko-KR" altLang="en-US" sz="3600" dirty="0" err="1"/>
+              <a:t>시즌회원권</a:t>
             </a:r>
             <a:r>
-              <a:rPr lang="ko-KR" altLang="en-US" sz="3200" dirty="0" err="1"/>
-              <a:t>시즌회원</a:t>
-            </a:r>
-            <a:r>
-              <a:rPr lang="ko-KR" altLang="en-US" sz="3200" dirty="0"/>
+              <a:rPr lang="ko-KR" altLang="en-US" sz="3600" dirty="0"/>
               <a:t> </a:t>
             </a:r>
             <a:r>
-              <a:rPr lang="en-US" altLang="ko-KR" sz="3200" dirty="0"/>
+              <a:rPr lang="en-US" altLang="ko-KR" sz="3600" dirty="0"/>
               <a:t>(11</a:t>
             </a:r>
             <a:r>
-              <a:rPr lang="ko-KR" altLang="en-US" sz="3200" dirty="0"/>
+              <a:rPr lang="ko-KR" altLang="en-US" sz="3600" dirty="0"/>
               <a:t>월</a:t>
             </a:r>
             <a:r>
-              <a:rPr lang="en-US" altLang="ko-KR" sz="3200" dirty="0"/>
+              <a:rPr lang="en-US" altLang="ko-KR" sz="3600" dirty="0"/>
               <a:t>30</a:t>
             </a:r>
             <a:r>
-              <a:rPr lang="ko-KR" altLang="en-US" sz="3200" dirty="0"/>
-              <a:t>일까지</a:t>
+              <a:rPr lang="ko-KR" altLang="en-US" sz="3600" dirty="0"/>
+              <a:t>일 만료</a:t>
             </a:r>
             <a:r>
-              <a:rPr lang="en-US" altLang="ko-KR" sz="3200" dirty="0"/>
+              <a:rPr lang="en-US" altLang="ko-KR" sz="3600" dirty="0"/>
               <a:t>)</a:t>
             </a:r>
           </a:p>
@@ -6446,7 +6736,7 @@
           <p:nvPr>
             <p:extLst>
               <p:ext uri="{D42A27DB-BD31-4B8C-83A1-F6EECF244321}">
-                <p14:modId xmlns:p14="http://schemas.microsoft.com/office/powerpoint/2010/main" val="2186576861"/>
+                <p14:modId xmlns:p14="http://schemas.microsoft.com/office/powerpoint/2010/main" val="365592083"/>
               </p:ext>
             </p:extLst>
           </p:nvPr>
@@ -6507,7 +6797,7 @@
                       </a:r>
                       <a:r>
                         <a:rPr lang="ko-KR" altLang="en-US" sz="2400" dirty="0"/>
-                        <a:t>월까지</a:t>
+                        <a:t>월 만료</a:t>
                       </a:r>
                       <a:r>
                         <a:rPr lang="en-US" altLang="ko-KR" sz="2400" dirty="0"/>
@@ -8725,7 +9015,7 @@
           <p:nvPr>
             <p:extLst>
               <p:ext uri="{D42A27DB-BD31-4B8C-83A1-F6EECF244321}">
-                <p14:modId xmlns:p14="http://schemas.microsoft.com/office/powerpoint/2010/main" val="711418543"/>
+                <p14:modId xmlns:p14="http://schemas.microsoft.com/office/powerpoint/2010/main" val="973633743"/>
               </p:ext>
             </p:extLst>
           </p:nvPr>
@@ -9993,7 +10283,7 @@
         </p:nvSpPr>
         <p:spPr>
           <a:xfrm>
-            <a:off x="298111" y="36052926"/>
+            <a:off x="298111" y="36179538"/>
             <a:ext cx="8473440" cy="646331"/>
           </a:xfrm>
           <a:prstGeom prst="rect">
@@ -10043,7 +10333,7 @@
           <p:nvPr>
             <p:extLst>
               <p:ext uri="{D42A27DB-BD31-4B8C-83A1-F6EECF244321}">
-                <p14:modId xmlns:p14="http://schemas.microsoft.com/office/powerpoint/2010/main" val="2360847484"/>
+                <p14:modId xmlns:p14="http://schemas.microsoft.com/office/powerpoint/2010/main" val="2601514380"/>
               </p:ext>
             </p:extLst>
           </p:nvPr>
@@ -10364,25 +10654,7 @@
                           </a:solidFill>
                           <a:effectLst/>
                         </a:rPr>
-                        <a:t>5</a:t>
-                      </a:r>
-                      <a:r>
-                        <a:rPr lang="ko-KR" altLang="en-US" sz="1800" kern="1200" dirty="0">
-                          <a:solidFill>
-                            <a:schemeClr val="dk1"/>
-                          </a:solidFill>
-                          <a:effectLst/>
-                        </a:rPr>
-                        <a:t> </a:t>
-                      </a:r>
-                      <a:r>
-                        <a:rPr lang="en-US" altLang="ko-KR" sz="1800" kern="1200" dirty="0">
-                          <a:solidFill>
-                            <a:schemeClr val="dk1"/>
-                          </a:solidFill>
-                          <a:effectLst/>
-                        </a:rPr>
-                        <a:t>mm</a:t>
+                        <a:t>5mm</a:t>
                       </a:r>
                       <a:r>
                         <a:rPr lang="ko-KR" altLang="en-US" sz="1800" kern="1200" dirty="0">
@@ -11631,7 +11903,187 @@
         </p:nvSpPr>
         <p:spPr>
           <a:xfrm>
-            <a:off x="7490009" y="45256539"/>
+            <a:off x="7490009" y="45125995"/>
+            <a:ext cx="1621534" cy="461665"/>
+          </a:xfrm>
+          <a:prstGeom prst="rect">
+            <a:avLst/>
+          </a:prstGeom>
+          <a:noFill/>
+        </p:spPr>
+        <p:txBody>
+          <a:bodyPr wrap="none" rtlCol="0">
+            <a:spAutoFit/>
+          </a:bodyPr>
+          <a:lstStyle/>
+          <a:p>
+            <a:r>
+              <a:rPr lang="en-US" sz="2400" dirty="0" err="1"/>
+              <a:t>jetcity.co.kr</a:t>
+            </a:r>
+            <a:endParaRPr lang="en-US" sz="2400" dirty="0"/>
+          </a:p>
+        </p:txBody>
+      </p:sp>
+      <p:sp>
+        <p:nvSpPr>
+          <p:cNvPr id="34" name="TextBox 33">
+            <a:extLst>
+              <a:ext uri="{FF2B5EF4-FFF2-40B4-BE49-F238E27FC236}">
+                <a16:creationId xmlns:a16="http://schemas.microsoft.com/office/drawing/2014/main" id="{A76898E1-145A-2C40-B76E-33AF745B6A4A}"/>
+              </a:ext>
+            </a:extLst>
+          </p:cNvPr>
+          <p:cNvSpPr txBox="1"/>
+          <p:nvPr/>
+        </p:nvSpPr>
+        <p:spPr>
+          <a:xfrm>
+            <a:off x="7490009" y="35521217"/>
+            <a:ext cx="1621534" cy="461665"/>
+          </a:xfrm>
+          <a:prstGeom prst="rect">
+            <a:avLst/>
+          </a:prstGeom>
+          <a:noFill/>
+        </p:spPr>
+        <p:txBody>
+          <a:bodyPr wrap="none" rtlCol="0">
+            <a:spAutoFit/>
+          </a:bodyPr>
+          <a:lstStyle/>
+          <a:p>
+            <a:r>
+              <a:rPr lang="en-US" sz="2400" dirty="0" err="1"/>
+              <a:t>jetcity.co.kr</a:t>
+            </a:r>
+            <a:endParaRPr lang="en-US" sz="2400" dirty="0"/>
+          </a:p>
+        </p:txBody>
+      </p:sp>
+      <p:sp>
+        <p:nvSpPr>
+          <p:cNvPr id="35" name="TextBox 34">
+            <a:extLst>
+              <a:ext uri="{FF2B5EF4-FFF2-40B4-BE49-F238E27FC236}">
+                <a16:creationId xmlns:a16="http://schemas.microsoft.com/office/drawing/2014/main" id="{24058E62-8F86-DA44-89F5-32CD00626D15}"/>
+              </a:ext>
+            </a:extLst>
+          </p:cNvPr>
+          <p:cNvSpPr txBox="1"/>
+          <p:nvPr/>
+        </p:nvSpPr>
+        <p:spPr>
+          <a:xfrm>
+            <a:off x="7490009" y="29415838"/>
+            <a:ext cx="1621534" cy="461665"/>
+          </a:xfrm>
+          <a:prstGeom prst="rect">
+            <a:avLst/>
+          </a:prstGeom>
+          <a:noFill/>
+        </p:spPr>
+        <p:txBody>
+          <a:bodyPr wrap="none" rtlCol="0">
+            <a:spAutoFit/>
+          </a:bodyPr>
+          <a:lstStyle/>
+          <a:p>
+            <a:r>
+              <a:rPr lang="en-US" sz="2400" dirty="0" err="1"/>
+              <a:t>jetcity.co.kr</a:t>
+            </a:r>
+            <a:endParaRPr lang="en-US" sz="2400" dirty="0"/>
+          </a:p>
+        </p:txBody>
+      </p:sp>
+      <p:sp>
+        <p:nvSpPr>
+          <p:cNvPr id="36" name="TextBox 35">
+            <a:extLst>
+              <a:ext uri="{FF2B5EF4-FFF2-40B4-BE49-F238E27FC236}">
+                <a16:creationId xmlns:a16="http://schemas.microsoft.com/office/drawing/2014/main" id="{BC1094A9-B8D2-CB47-BC72-517200B44BFE}"/>
+              </a:ext>
+            </a:extLst>
+          </p:cNvPr>
+          <p:cNvSpPr txBox="1"/>
+          <p:nvPr/>
+        </p:nvSpPr>
+        <p:spPr>
+          <a:xfrm>
+            <a:off x="7490009" y="22972831"/>
+            <a:ext cx="1621534" cy="461665"/>
+          </a:xfrm>
+          <a:prstGeom prst="rect">
+            <a:avLst/>
+          </a:prstGeom>
+          <a:noFill/>
+        </p:spPr>
+        <p:txBody>
+          <a:bodyPr wrap="none" rtlCol="0">
+            <a:spAutoFit/>
+          </a:bodyPr>
+          <a:lstStyle/>
+          <a:p>
+            <a:r>
+              <a:rPr lang="en-US" sz="2400" dirty="0" err="1"/>
+              <a:t>jetcity.co.kr</a:t>
+            </a:r>
+            <a:endParaRPr lang="en-US" sz="2400" dirty="0"/>
+          </a:p>
+        </p:txBody>
+      </p:sp>
+      <p:sp>
+        <p:nvSpPr>
+          <p:cNvPr id="37" name="TextBox 36">
+            <a:extLst>
+              <a:ext uri="{FF2B5EF4-FFF2-40B4-BE49-F238E27FC236}">
+                <a16:creationId xmlns:a16="http://schemas.microsoft.com/office/drawing/2014/main" id="{C5F86032-5376-F24E-91E2-B026BE099F3F}"/>
+              </a:ext>
+            </a:extLst>
+          </p:cNvPr>
+          <p:cNvSpPr txBox="1"/>
+          <p:nvPr/>
+        </p:nvSpPr>
+        <p:spPr>
+          <a:xfrm>
+            <a:off x="7490009" y="16065773"/>
+            <a:ext cx="1621534" cy="461665"/>
+          </a:xfrm>
+          <a:prstGeom prst="rect">
+            <a:avLst/>
+          </a:prstGeom>
+          <a:noFill/>
+        </p:spPr>
+        <p:txBody>
+          <a:bodyPr wrap="none" rtlCol="0">
+            <a:spAutoFit/>
+          </a:bodyPr>
+          <a:lstStyle/>
+          <a:p>
+            <a:r>
+              <a:rPr lang="en-US" sz="2400" dirty="0" err="1"/>
+              <a:t>jetcity.co.kr</a:t>
+            </a:r>
+            <a:endParaRPr lang="en-US" sz="2400" dirty="0"/>
+          </a:p>
+        </p:txBody>
+      </p:sp>
+      <p:sp>
+        <p:nvSpPr>
+          <p:cNvPr id="38" name="TextBox 37">
+            <a:extLst>
+              <a:ext uri="{FF2B5EF4-FFF2-40B4-BE49-F238E27FC236}">
+                <a16:creationId xmlns:a16="http://schemas.microsoft.com/office/drawing/2014/main" id="{A2B133ED-1EE4-C74F-B0AD-4E3A8811D977}"/>
+              </a:ext>
+            </a:extLst>
+          </p:cNvPr>
+          <p:cNvSpPr txBox="1"/>
+          <p:nvPr/>
+        </p:nvSpPr>
+        <p:spPr>
+          <a:xfrm>
+            <a:off x="7490009" y="10846661"/>
             <a:ext cx="1621534" cy="461665"/>
           </a:xfrm>
           <a:prstGeom prst="rect">
